--- a/Dokumentacija/Prezentacija.pptx
+++ b/Dokumentacija/Prezentacija.pptx
@@ -12,6 +12,9 @@
     <p:sldId id="259" r:id="rId6"/>
     <p:sldId id="260" r:id="rId7"/>
     <p:sldId id="261" r:id="rId8"/>
+    <p:sldId id="263" r:id="rId9"/>
+    <p:sldId id="264" r:id="rId10"/>
+    <p:sldId id="265" r:id="rId11"/>
   </p:sldIdLst>
   <p:sldSz cx="12192000" cy="6858000"/>
   <p:notesSz cx="6858000" cy="9144000"/>
@@ -110,6 +113,11 @@
       </a:defRPr>
     </a:lvl9pPr>
   </p:defaultTextStyle>
+  <p:extLst>
+    <p:ext uri="{EFAFB233-063F-42B5-8137-9DF3F51BA10A}">
+      <p15:sldGuideLst xmlns:p15="http://schemas.microsoft.com/office/powerpoint/2012/main"/>
+    </p:ext>
+  </p:extLst>
 </p:presentation>
 </file>
 
@@ -299,7 +307,7 @@
           <a:p>
             <a:fld id="{919097BC-21FE-4F66-8454-54CE54205771}" type="datetimeFigureOut">
               <a:rPr lang="en-US" smtClean="0"/>
-              <a:t>6/14/2021</a:t>
+              <a:t>6/15/2021</a:t>
             </a:fld>
             <a:endParaRPr lang="en-US"/>
           </a:p>
@@ -574,7 +582,7 @@
           <a:p>
             <a:fld id="{919097BC-21FE-4F66-8454-54CE54205771}" type="datetimeFigureOut">
               <a:rPr lang="en-US" smtClean="0"/>
-              <a:t>6/14/2021</a:t>
+              <a:t>6/15/2021</a:t>
             </a:fld>
             <a:endParaRPr lang="en-US"/>
           </a:p>
@@ -768,7 +776,7 @@
           <a:p>
             <a:fld id="{919097BC-21FE-4F66-8454-54CE54205771}" type="datetimeFigureOut">
               <a:rPr lang="en-US" smtClean="0"/>
-              <a:t>6/14/2021</a:t>
+              <a:t>6/15/2021</a:t>
             </a:fld>
             <a:endParaRPr lang="en-US"/>
           </a:p>
@@ -1041,7 +1049,7 @@
           <a:p>
             <a:fld id="{919097BC-21FE-4F66-8454-54CE54205771}" type="datetimeFigureOut">
               <a:rPr lang="en-US" smtClean="0"/>
-              <a:t>6/14/2021</a:t>
+              <a:t>6/15/2021</a:t>
             </a:fld>
             <a:endParaRPr lang="en-US"/>
           </a:p>
@@ -1382,7 +1390,7 @@
           <a:p>
             <a:fld id="{919097BC-21FE-4F66-8454-54CE54205771}" type="datetimeFigureOut">
               <a:rPr lang="en-US" smtClean="0"/>
-              <a:t>6/14/2021</a:t>
+              <a:t>6/15/2021</a:t>
             </a:fld>
             <a:endParaRPr lang="en-US"/>
           </a:p>
@@ -2005,7 +2013,7 @@
           <a:p>
             <a:fld id="{919097BC-21FE-4F66-8454-54CE54205771}" type="datetimeFigureOut">
               <a:rPr lang="en-US" smtClean="0"/>
-              <a:t>6/14/2021</a:t>
+              <a:t>6/15/2021</a:t>
             </a:fld>
             <a:endParaRPr lang="en-US"/>
           </a:p>
@@ -2865,7 +2873,7 @@
           <a:p>
             <a:fld id="{919097BC-21FE-4F66-8454-54CE54205771}" type="datetimeFigureOut">
               <a:rPr lang="en-US" smtClean="0"/>
-              <a:t>6/14/2021</a:t>
+              <a:t>6/15/2021</a:t>
             </a:fld>
             <a:endParaRPr lang="en-US"/>
           </a:p>
@@ -3035,7 +3043,7 @@
           <a:p>
             <a:fld id="{919097BC-21FE-4F66-8454-54CE54205771}" type="datetimeFigureOut">
               <a:rPr lang="en-US" smtClean="0"/>
-              <a:t>6/14/2021</a:t>
+              <a:t>6/15/2021</a:t>
             </a:fld>
             <a:endParaRPr lang="en-US"/>
           </a:p>
@@ -3215,7 +3223,7 @@
           <a:p>
             <a:fld id="{919097BC-21FE-4F66-8454-54CE54205771}" type="datetimeFigureOut">
               <a:rPr lang="en-US" smtClean="0"/>
-              <a:t>6/14/2021</a:t>
+              <a:t>6/15/2021</a:t>
             </a:fld>
             <a:endParaRPr lang="en-US"/>
           </a:p>
@@ -3385,7 +3393,7 @@
           <a:p>
             <a:fld id="{919097BC-21FE-4F66-8454-54CE54205771}" type="datetimeFigureOut">
               <a:rPr lang="en-US" smtClean="0"/>
-              <a:t>6/14/2021</a:t>
+              <a:t>6/15/2021</a:t>
             </a:fld>
             <a:endParaRPr lang="en-US"/>
           </a:p>
@@ -3632,7 +3640,7 @@
           <a:p>
             <a:fld id="{919097BC-21FE-4F66-8454-54CE54205771}" type="datetimeFigureOut">
               <a:rPr lang="en-US" smtClean="0"/>
-              <a:t>6/14/2021</a:t>
+              <a:t>6/15/2021</a:t>
             </a:fld>
             <a:endParaRPr lang="en-US"/>
           </a:p>
@@ -3924,7 +3932,7 @@
           <a:p>
             <a:fld id="{919097BC-21FE-4F66-8454-54CE54205771}" type="datetimeFigureOut">
               <a:rPr lang="en-US" smtClean="0"/>
-              <a:t>6/14/2021</a:t>
+              <a:t>6/15/2021</a:t>
             </a:fld>
             <a:endParaRPr lang="en-US"/>
           </a:p>
@@ -4368,7 +4376,7 @@
           <a:p>
             <a:fld id="{919097BC-21FE-4F66-8454-54CE54205771}" type="datetimeFigureOut">
               <a:rPr lang="en-US" smtClean="0"/>
-              <a:t>6/14/2021</a:t>
+              <a:t>6/15/2021</a:t>
             </a:fld>
             <a:endParaRPr lang="en-US"/>
           </a:p>
@@ -4486,7 +4494,7 @@
           <a:p>
             <a:fld id="{919097BC-21FE-4F66-8454-54CE54205771}" type="datetimeFigureOut">
               <a:rPr lang="en-US" smtClean="0"/>
-              <a:t>6/14/2021</a:t>
+              <a:t>6/15/2021</a:t>
             </a:fld>
             <a:endParaRPr lang="en-US"/>
           </a:p>
@@ -4581,7 +4589,7 @@
           <a:p>
             <a:fld id="{919097BC-21FE-4F66-8454-54CE54205771}" type="datetimeFigureOut">
               <a:rPr lang="en-US" smtClean="0"/>
-              <a:t>6/14/2021</a:t>
+              <a:t>6/15/2021</a:t>
             </a:fld>
             <a:endParaRPr lang="en-US"/>
           </a:p>
@@ -4860,7 +4868,7 @@
           <a:p>
             <a:fld id="{919097BC-21FE-4F66-8454-54CE54205771}" type="datetimeFigureOut">
               <a:rPr lang="en-US" smtClean="0"/>
-              <a:t>6/14/2021</a:t>
+              <a:t>6/15/2021</a:t>
             </a:fld>
             <a:endParaRPr lang="en-US"/>
           </a:p>
@@ -5135,7 +5143,7 @@
           <a:p>
             <a:fld id="{919097BC-21FE-4F66-8454-54CE54205771}" type="datetimeFigureOut">
               <a:rPr lang="en-US" smtClean="0"/>
-              <a:t>6/14/2021</a:t>
+              <a:t>6/15/2021</a:t>
             </a:fld>
             <a:endParaRPr lang="en-US"/>
           </a:p>
@@ -5564,7 +5572,7 @@
           <a:p>
             <a:fld id="{919097BC-21FE-4F66-8454-54CE54205771}" type="datetimeFigureOut">
               <a:rPr lang="en-US" smtClean="0"/>
-              <a:t>6/14/2021</a:t>
+              <a:t>6/15/2021</a:t>
             </a:fld>
             <a:endParaRPr lang="en-US"/>
           </a:p>
@@ -6367,6 +6375,70 @@
 </p:sld>
 </file>
 
+<file path=ppt/slides/slide10.xml><?xml version="1.0" encoding="utf-8"?>
+<p:sld xmlns:a="http://schemas.openxmlformats.org/drawingml/2006/main" xmlns:r="http://schemas.openxmlformats.org/officeDocument/2006/relationships" xmlns:p="http://schemas.openxmlformats.org/presentationml/2006/main">
+  <p:cSld>
+    <p:spTree>
+      <p:nvGrpSpPr>
+        <p:cNvPr id="1" name=""/>
+        <p:cNvGrpSpPr/>
+        <p:nvPr/>
+      </p:nvGrpSpPr>
+      <p:grpSpPr>
+        <a:xfrm>
+          <a:off x="0" y="0"/>
+          <a:ext cx="0" cy="0"/>
+          <a:chOff x="0" y="0"/>
+          <a:chExt cx="0" cy="0"/>
+        </a:xfrm>
+      </p:grpSpPr>
+      <p:sp>
+        <p:nvSpPr>
+          <p:cNvPr id="2" name="Title 1">
+            <a:extLst>
+              <a:ext uri="{FF2B5EF4-FFF2-40B4-BE49-F238E27FC236}">
+                <a16:creationId xmlns:a16="http://schemas.microsoft.com/office/drawing/2014/main" id="{61413B28-7005-43D8-9343-CA5DF047D716}"/>
+              </a:ext>
+            </a:extLst>
+          </p:cNvPr>
+          <p:cNvSpPr>
+            <a:spLocks noGrp="1"/>
+          </p:cNvSpPr>
+          <p:nvPr>
+            <p:ph type="ctrTitle"/>
+          </p:nvPr>
+        </p:nvSpPr>
+        <p:spPr>
+          <a:xfrm>
+            <a:off x="1154954" y="1447800"/>
+            <a:ext cx="10122645" cy="3329581"/>
+          </a:xfrm>
+        </p:spPr>
+        <p:txBody>
+          <a:bodyPr/>
+          <a:lstStyle/>
+          <a:p>
+            <a:r>
+              <a:rPr lang="lv-LV" dirty="0"/>
+              <a:t>Paldies par uzmanību!</a:t>
+            </a:r>
+            <a:endParaRPr lang="en-US" dirty="0"/>
+          </a:p>
+        </p:txBody>
+      </p:sp>
+    </p:spTree>
+    <p:extLst>
+      <p:ext uri="{BB962C8B-B14F-4D97-AF65-F5344CB8AC3E}">
+        <p14:creationId xmlns:p14="http://schemas.microsoft.com/office/powerpoint/2010/main" val="2422130717"/>
+      </p:ext>
+    </p:extLst>
+  </p:cSld>
+  <p:clrMapOvr>
+    <a:masterClrMapping/>
+  </p:clrMapOvr>
+</p:sld>
+</file>
+
 <file path=ppt/slides/slide2.xml><?xml version="1.0" encoding="utf-8"?>
 <p:sld xmlns:a="http://schemas.openxmlformats.org/drawingml/2006/main" xmlns:r="http://schemas.openxmlformats.org/officeDocument/2006/relationships" xmlns:p="http://schemas.openxmlformats.org/presentationml/2006/main">
   <p:cSld>
@@ -6448,30 +6520,45 @@
           </a:bodyPr>
           <a:lstStyle/>
           <a:p>
-            <a:pPr marL="0" indent="0">
-              <a:buNone/>
-            </a:pPr>
-            <a:r>
-              <a:rPr lang="lv-LV" sz="2400" dirty="0">
-                <a:effectLst/>
-                <a:latin typeface="Times New Roman" panose="02020603050405020304" pitchFamily="18" charset="0"/>
-                <a:ea typeface="Calibri" panose="020F0502020204030204" pitchFamily="34" charset="0"/>
-                <a:cs typeface="Times New Roman" panose="02020603050405020304" pitchFamily="18" charset="0"/>
-              </a:rPr>
-              <a:t>Kavalifikācijas darba uzdevums ir izveidot mācību sistēmu ar automatizētu testa serveri, priekš SIA “Pirmā programmēšnas skola”. Ar tās palīdzību skolēni var iesūtīt savus uzdevumu risinājumus un sistēma atrisina, vai dotais algoritms iekļaujas uzdevuma nosacījumos. Lietotājam ir iespēja ne tikai iesūtīt uzdevumu, bet arī apskatīt rezultātu, pareizi atrisinātos uzdevumus, neatrisinātos uzdevumus un savu kopējo statistiku. Admin lietotāja galvenais uzdevums ir pievienot un pārvaldīt uzdevumus, kā arī lietotājus - piešķirt lietotājam admin statusu vai dzēst lietotāju.</a:t>
-            </a:r>
-            <a:endParaRPr lang="en-US" sz="2400" dirty="0">
-              <a:effectLst/>
-              <a:latin typeface="Times New Roman" panose="02020603050405020304" pitchFamily="18" charset="0"/>
-              <a:ea typeface="Calibri" panose="020F0502020204030204" pitchFamily="34" charset="0"/>
-              <a:cs typeface="Times New Roman" panose="02020603050405020304" pitchFamily="18" charset="0"/>
-            </a:endParaRPr>
-          </a:p>
-          <a:p>
-            <a:pPr marL="0" indent="0">
-              <a:buNone/>
-            </a:pPr>
-            <a:endParaRPr lang="en-US" sz="2800" dirty="0"/>
+            <a:r>
+              <a:rPr lang="lv-LV" sz="2800" b="1" dirty="0"/>
+              <a:t>Galvenā funkcionalitāte:</a:t>
+            </a:r>
+            <a:r>
+              <a:rPr lang="lv-LV" sz="2800" dirty="0"/>
+              <a:t> Automātiski izvērtēt, vai skolēna izpildītais uzdevums ir pareizi atrisināts.</a:t>
+            </a:r>
+          </a:p>
+          <a:p>
+            <a:r>
+              <a:rPr lang="lv-LV" sz="2800" b="1" dirty="0"/>
+              <a:t>Mērķis: </a:t>
+            </a:r>
+            <a:r>
+              <a:rPr lang="lv-LV" sz="2800" dirty="0"/>
+              <a:t>Paātrināt darbu izvērtēšanu un ļaut skolēniem patstāvīgi pildīt uzdevumus.</a:t>
+            </a:r>
+          </a:p>
+          <a:p>
+            <a:r>
+              <a:rPr lang="lv-LV" sz="2800" b="1" dirty="0"/>
+              <a:t>Sistēmas lomas:</a:t>
+            </a:r>
+          </a:p>
+          <a:p>
+            <a:pPr lvl="1"/>
+            <a:r>
+              <a:rPr lang="lv-LV" sz="2600" b="1" dirty="0"/>
+              <a:t>Administrators</a:t>
+            </a:r>
+          </a:p>
+          <a:p>
+            <a:pPr lvl="1"/>
+            <a:r>
+              <a:rPr lang="lv-LV" sz="2600" b="1" dirty="0"/>
+              <a:t>Lietotājs</a:t>
+            </a:r>
+            <a:endParaRPr lang="en-US" sz="2600" b="1" dirty="0"/>
           </a:p>
         </p:txBody>
       </p:sp>
@@ -6550,10 +6637,15 @@
             <p:ph idx="1"/>
           </p:nvPr>
         </p:nvSpPr>
-        <p:spPr/>
+        <p:spPr>
+          <a:xfrm>
+            <a:off x="1103313" y="2052918"/>
+            <a:ext cx="4992688" cy="4195481"/>
+          </a:xfrm>
+        </p:spPr>
         <p:txBody>
           <a:bodyPr>
-            <a:normAutofit lnSpcReduction="10000"/>
+            <a:normAutofit fontScale="92500" lnSpcReduction="20000"/>
           </a:bodyPr>
           <a:lstStyle/>
           <a:p>
@@ -6590,6 +6682,13 @@
             </a:r>
           </a:p>
           <a:p>
+            <a:pPr lvl="1"/>
+            <a:r>
+              <a:rPr lang="lv-LV" dirty="0"/>
+              <a:t>Font Awesome</a:t>
+            </a:r>
+          </a:p>
+          <a:p>
             <a:r>
               <a:rPr lang="lv-LV" dirty="0"/>
               <a:t>JUDGE0 API</a:t>
@@ -6628,6 +6727,336 @@
               <a:rPr lang="lv-LV" dirty="0"/>
               <a:t>CSS (Bootstrap ietvars)</a:t>
             </a:r>
+          </a:p>
+        </p:txBody>
+      </p:sp>
+      <p:sp>
+        <p:nvSpPr>
+          <p:cNvPr id="4" name="Content Placeholder 2">
+            <a:extLst>
+              <a:ext uri="{FF2B5EF4-FFF2-40B4-BE49-F238E27FC236}">
+                <a16:creationId xmlns:a16="http://schemas.microsoft.com/office/drawing/2014/main" id="{0F92B79E-D266-4185-84C5-9AE7E878958D}"/>
+              </a:ext>
+            </a:extLst>
+          </p:cNvPr>
+          <p:cNvSpPr txBox="1">
+            <a:spLocks/>
+          </p:cNvSpPr>
+          <p:nvPr/>
+        </p:nvSpPr>
+        <p:spPr>
+          <a:xfrm>
+            <a:off x="6095999" y="2052918"/>
+            <a:ext cx="4992688" cy="4195481"/>
+          </a:xfrm>
+          <a:prstGeom prst="rect">
+            <a:avLst/>
+          </a:prstGeom>
+        </p:spPr>
+        <p:txBody>
+          <a:bodyPr vert="horz" lIns="91440" tIns="45720" rIns="91440" bIns="45720" rtlCol="0">
+            <a:normAutofit/>
+          </a:bodyPr>
+          <a:lstStyle>
+            <a:lvl1pPr marL="342900" indent="-342900" algn="l" defTabSz="457200" rtl="0" eaLnBrk="1" latinLnBrk="0" hangingPunct="1">
+              <a:spcBef>
+                <a:spcPts val="1000"/>
+              </a:spcBef>
+              <a:spcAft>
+                <a:spcPts val="0"/>
+              </a:spcAft>
+              <a:buClr>
+                <a:schemeClr val="bg2">
+                  <a:lumMod val="40000"/>
+                  <a:lumOff val="60000"/>
+                </a:schemeClr>
+              </a:buClr>
+              <a:buSzPct val="80000"/>
+              <a:buFont typeface="Wingdings 3" charset="2"/>
+              <a:buChar char=""/>
+              <a:defRPr sz="2000" b="0" i="0" kern="1200">
+                <a:solidFill>
+                  <a:schemeClr val="tx1"/>
+                </a:solidFill>
+                <a:latin typeface="+mj-lt"/>
+                <a:ea typeface="+mj-ea"/>
+                <a:cs typeface="+mj-cs"/>
+              </a:defRPr>
+            </a:lvl1pPr>
+            <a:lvl2pPr marL="742950" indent="-285750" algn="l" defTabSz="457200" rtl="0" eaLnBrk="1" latinLnBrk="0" hangingPunct="1">
+              <a:spcBef>
+                <a:spcPts val="1000"/>
+              </a:spcBef>
+              <a:spcAft>
+                <a:spcPts val="0"/>
+              </a:spcAft>
+              <a:buClr>
+                <a:schemeClr val="bg2">
+                  <a:lumMod val="40000"/>
+                  <a:lumOff val="60000"/>
+                </a:schemeClr>
+              </a:buClr>
+              <a:buSzPct val="80000"/>
+              <a:buFont typeface="Wingdings 3" charset="2"/>
+              <a:buChar char=""/>
+              <a:defRPr sz="1800" b="0" i="0" kern="1200">
+                <a:solidFill>
+                  <a:schemeClr val="tx1"/>
+                </a:solidFill>
+                <a:latin typeface="+mj-lt"/>
+                <a:ea typeface="+mj-ea"/>
+                <a:cs typeface="+mj-cs"/>
+              </a:defRPr>
+            </a:lvl2pPr>
+            <a:lvl3pPr marL="1143000" indent="-228600" algn="l" defTabSz="457200" rtl="0" eaLnBrk="1" latinLnBrk="0" hangingPunct="1">
+              <a:spcBef>
+                <a:spcPts val="1000"/>
+              </a:spcBef>
+              <a:spcAft>
+                <a:spcPts val="0"/>
+              </a:spcAft>
+              <a:buClr>
+                <a:schemeClr val="bg2">
+                  <a:lumMod val="40000"/>
+                  <a:lumOff val="60000"/>
+                </a:schemeClr>
+              </a:buClr>
+              <a:buSzPct val="80000"/>
+              <a:buFont typeface="Wingdings 3" charset="2"/>
+              <a:buChar char=""/>
+              <a:defRPr sz="1600" b="0" i="0" kern="1200">
+                <a:solidFill>
+                  <a:schemeClr val="tx1"/>
+                </a:solidFill>
+                <a:latin typeface="+mj-lt"/>
+                <a:ea typeface="+mj-ea"/>
+                <a:cs typeface="+mj-cs"/>
+              </a:defRPr>
+            </a:lvl3pPr>
+            <a:lvl4pPr marL="1600200" indent="-228600" algn="l" defTabSz="457200" rtl="0" eaLnBrk="1" latinLnBrk="0" hangingPunct="1">
+              <a:spcBef>
+                <a:spcPts val="1000"/>
+              </a:spcBef>
+              <a:spcAft>
+                <a:spcPts val="0"/>
+              </a:spcAft>
+              <a:buClr>
+                <a:schemeClr val="bg2">
+                  <a:lumMod val="40000"/>
+                  <a:lumOff val="60000"/>
+                </a:schemeClr>
+              </a:buClr>
+              <a:buSzPct val="80000"/>
+              <a:buFont typeface="Wingdings 3" charset="2"/>
+              <a:buChar char=""/>
+              <a:defRPr sz="1400" b="0" i="0" kern="1200">
+                <a:solidFill>
+                  <a:schemeClr val="tx1"/>
+                </a:solidFill>
+                <a:latin typeface="+mj-lt"/>
+                <a:ea typeface="+mj-ea"/>
+                <a:cs typeface="+mj-cs"/>
+              </a:defRPr>
+            </a:lvl4pPr>
+            <a:lvl5pPr marL="2057400" indent="-228600" algn="l" defTabSz="457200" rtl="0" eaLnBrk="1" latinLnBrk="0" hangingPunct="1">
+              <a:spcBef>
+                <a:spcPts val="1000"/>
+              </a:spcBef>
+              <a:spcAft>
+                <a:spcPts val="0"/>
+              </a:spcAft>
+              <a:buClr>
+                <a:schemeClr val="bg2">
+                  <a:lumMod val="40000"/>
+                  <a:lumOff val="60000"/>
+                </a:schemeClr>
+              </a:buClr>
+              <a:buSzPct val="80000"/>
+              <a:buFont typeface="Wingdings 3" charset="2"/>
+              <a:buChar char=""/>
+              <a:defRPr sz="1400" b="0" i="0" kern="1200">
+                <a:solidFill>
+                  <a:schemeClr val="tx1"/>
+                </a:solidFill>
+                <a:latin typeface="+mj-lt"/>
+                <a:ea typeface="+mj-ea"/>
+                <a:cs typeface="+mj-cs"/>
+              </a:defRPr>
+            </a:lvl5pPr>
+            <a:lvl6pPr marL="2506000" indent="-228600" algn="l" defTabSz="457200" rtl="0" eaLnBrk="1" latinLnBrk="0" hangingPunct="1">
+              <a:spcBef>
+                <a:spcPts val="1000"/>
+              </a:spcBef>
+              <a:spcAft>
+                <a:spcPts val="0"/>
+              </a:spcAft>
+              <a:buClr>
+                <a:schemeClr val="bg2">
+                  <a:lumMod val="40000"/>
+                  <a:lumOff val="60000"/>
+                </a:schemeClr>
+              </a:buClr>
+              <a:buSzPct val="80000"/>
+              <a:buFont typeface="Wingdings 3" charset="2"/>
+              <a:buChar char=""/>
+              <a:defRPr sz="1400" b="0" i="0" kern="1200">
+                <a:solidFill>
+                  <a:schemeClr val="tx1"/>
+                </a:solidFill>
+                <a:latin typeface="+mj-lt"/>
+                <a:ea typeface="+mj-ea"/>
+                <a:cs typeface="+mj-cs"/>
+              </a:defRPr>
+            </a:lvl6pPr>
+            <a:lvl7pPr marL="2971800" indent="-228600" algn="l" defTabSz="457200" rtl="0" eaLnBrk="1" latinLnBrk="0" hangingPunct="1">
+              <a:spcBef>
+                <a:spcPts val="1000"/>
+              </a:spcBef>
+              <a:spcAft>
+                <a:spcPts val="0"/>
+              </a:spcAft>
+              <a:buClr>
+                <a:schemeClr val="bg2">
+                  <a:lumMod val="40000"/>
+                  <a:lumOff val="60000"/>
+                </a:schemeClr>
+              </a:buClr>
+              <a:buSzPct val="80000"/>
+              <a:buFont typeface="Wingdings 3" charset="2"/>
+              <a:buChar char=""/>
+              <a:defRPr sz="1400" b="0" i="0" kern="1200">
+                <a:solidFill>
+                  <a:schemeClr val="tx1"/>
+                </a:solidFill>
+                <a:latin typeface="+mj-lt"/>
+                <a:ea typeface="+mj-ea"/>
+                <a:cs typeface="+mj-cs"/>
+              </a:defRPr>
+            </a:lvl7pPr>
+            <a:lvl8pPr marL="3429000" indent="-228600" algn="l" defTabSz="457200" rtl="0" eaLnBrk="1" latinLnBrk="0" hangingPunct="1">
+              <a:spcBef>
+                <a:spcPts val="1000"/>
+              </a:spcBef>
+              <a:spcAft>
+                <a:spcPts val="0"/>
+              </a:spcAft>
+              <a:buClr>
+                <a:schemeClr val="bg2">
+                  <a:lumMod val="40000"/>
+                  <a:lumOff val="60000"/>
+                </a:schemeClr>
+              </a:buClr>
+              <a:buSzPct val="80000"/>
+              <a:buFont typeface="Wingdings 3" charset="2"/>
+              <a:buChar char=""/>
+              <a:defRPr sz="1400" b="0" i="0" kern="1200">
+                <a:solidFill>
+                  <a:schemeClr val="tx1"/>
+                </a:solidFill>
+                <a:latin typeface="+mj-lt"/>
+                <a:ea typeface="+mj-ea"/>
+                <a:cs typeface="+mj-cs"/>
+              </a:defRPr>
+            </a:lvl8pPr>
+            <a:lvl9pPr marL="3886200" indent="-228600" algn="l" defTabSz="457200" rtl="0" eaLnBrk="1" latinLnBrk="0" hangingPunct="1">
+              <a:spcBef>
+                <a:spcPts val="1000"/>
+              </a:spcBef>
+              <a:spcAft>
+                <a:spcPts val="0"/>
+              </a:spcAft>
+              <a:buClr>
+                <a:schemeClr val="bg2">
+                  <a:lumMod val="40000"/>
+                  <a:lumOff val="60000"/>
+                </a:schemeClr>
+              </a:buClr>
+              <a:buSzPct val="80000"/>
+              <a:buFont typeface="Wingdings 3" charset="2"/>
+              <a:buChar char=""/>
+              <a:defRPr sz="1400" b="0" i="0" kern="1200">
+                <a:solidFill>
+                  <a:schemeClr val="tx1"/>
+                </a:solidFill>
+                <a:latin typeface="+mj-lt"/>
+                <a:ea typeface="+mj-ea"/>
+                <a:cs typeface="+mj-cs"/>
+              </a:defRPr>
+            </a:lvl9pPr>
+          </a:lstStyle>
+          <a:p>
+            <a:r>
+              <a:rPr lang="lv-LV" dirty="0"/>
+              <a:t>Izmantotā programmatūra</a:t>
+            </a:r>
+          </a:p>
+          <a:p>
+            <a:pPr lvl="1"/>
+            <a:r>
+              <a:rPr lang="lv-LV" dirty="0"/>
+              <a:t>Izstrādāts uz PHPStorm</a:t>
+            </a:r>
+          </a:p>
+          <a:p>
+            <a:pPr lvl="1"/>
+            <a:r>
+              <a:rPr lang="lv-LV" dirty="0"/>
+              <a:t>Composer</a:t>
+            </a:r>
+          </a:p>
+          <a:p>
+            <a:pPr lvl="1"/>
+            <a:r>
+              <a:rPr lang="lv-LV" dirty="0"/>
+              <a:t>Node.js</a:t>
+            </a:r>
+          </a:p>
+          <a:p>
+            <a:pPr lvl="1"/>
+            <a:r>
+              <a:rPr lang="lv-LV" dirty="0"/>
+              <a:t>Windows CMD</a:t>
+            </a:r>
+          </a:p>
+          <a:p>
+            <a:pPr lvl="1"/>
+            <a:r>
+              <a:rPr lang="lv-LV" dirty="0"/>
+              <a:t>Laravel iebūvētais testa serveris</a:t>
+            </a:r>
+          </a:p>
+          <a:p>
+            <a:pPr lvl="1"/>
+            <a:r>
+              <a:rPr lang="lv-LV" dirty="0"/>
+              <a:t>Laravel tinker</a:t>
+            </a:r>
+          </a:p>
+          <a:p>
+            <a:r>
+              <a:rPr lang="lv-LV" dirty="0"/>
+              <a:t>Datubāzes pārvaldīšana:</a:t>
+            </a:r>
+          </a:p>
+          <a:p>
+            <a:pPr lvl="1"/>
+            <a:r>
+              <a:rPr lang="lv-LV" dirty="0"/>
+              <a:t>Lokālai testēšanai – SQLite</a:t>
+            </a:r>
+          </a:p>
+          <a:p>
+            <a:pPr lvl="1"/>
+            <a:r>
+              <a:rPr lang="lv-LV" dirty="0"/>
+              <a:t>Serverī  - MYSQL</a:t>
+            </a:r>
+          </a:p>
+          <a:p>
+            <a:pPr marL="457200" lvl="1" indent="0">
+              <a:buNone/>
+            </a:pPr>
+            <a:endParaRPr lang="lv-LV" dirty="0"/>
           </a:p>
         </p:txBody>
       </p:sp>
@@ -7063,6 +7492,185 @@
     <p:extLst>
       <p:ext uri="{BB962C8B-B14F-4D97-AF65-F5344CB8AC3E}">
         <p14:creationId xmlns:p14="http://schemas.microsoft.com/office/powerpoint/2010/main" val="2282140236"/>
+      </p:ext>
+    </p:extLst>
+  </p:cSld>
+  <p:clrMapOvr>
+    <a:masterClrMapping/>
+  </p:clrMapOvr>
+</p:sld>
+</file>
+
+<file path=ppt/slides/slide8.xml><?xml version="1.0" encoding="utf-8"?>
+<p:sld xmlns:a="http://schemas.openxmlformats.org/drawingml/2006/main" xmlns:r="http://schemas.openxmlformats.org/officeDocument/2006/relationships" xmlns:p="http://schemas.openxmlformats.org/presentationml/2006/main">
+  <p:cSld>
+    <p:spTree>
+      <p:nvGrpSpPr>
+        <p:cNvPr id="1" name=""/>
+        <p:cNvGrpSpPr/>
+        <p:nvPr/>
+      </p:nvGrpSpPr>
+      <p:grpSpPr>
+        <a:xfrm>
+          <a:off x="0" y="0"/>
+          <a:ext cx="0" cy="0"/>
+          <a:chOff x="0" y="0"/>
+          <a:chExt cx="0" cy="0"/>
+        </a:xfrm>
+      </p:grpSpPr>
+      <p:sp>
+        <p:nvSpPr>
+          <p:cNvPr id="2" name="Title 1">
+            <a:extLst>
+              <a:ext uri="{FF2B5EF4-FFF2-40B4-BE49-F238E27FC236}">
+                <a16:creationId xmlns:a16="http://schemas.microsoft.com/office/drawing/2014/main" id="{CC2489F7-A889-4EC3-B2B0-C5233F445011}"/>
+              </a:ext>
+            </a:extLst>
+          </p:cNvPr>
+          <p:cNvSpPr>
+            <a:spLocks noGrp="1"/>
+          </p:cNvSpPr>
+          <p:nvPr>
+            <p:ph type="title"/>
+          </p:nvPr>
+        </p:nvSpPr>
+        <p:spPr/>
+        <p:txBody>
+          <a:bodyPr/>
+          <a:lstStyle/>
+          <a:p>
+            <a:r>
+              <a:rPr lang="lv-LV" dirty="0"/>
+              <a:t>Programmas sākumlapa</a:t>
+            </a:r>
+            <a:endParaRPr lang="en-US" dirty="0"/>
+          </a:p>
+        </p:txBody>
+      </p:sp>
+      <p:pic>
+        <p:nvPicPr>
+          <p:cNvPr id="5" name="Content Placeholder 4">
+            <a:extLst>
+              <a:ext uri="{FF2B5EF4-FFF2-40B4-BE49-F238E27FC236}">
+                <a16:creationId xmlns:a16="http://schemas.microsoft.com/office/drawing/2014/main" id="{F98DEBA2-66C0-4127-A32D-D4B970286B52}"/>
+              </a:ext>
+            </a:extLst>
+          </p:cNvPr>
+          <p:cNvPicPr>
+            <a:picLocks noGrp="1" noChangeAspect="1"/>
+          </p:cNvPicPr>
+          <p:nvPr>
+            <p:ph idx="1"/>
+          </p:nvPr>
+        </p:nvPicPr>
+        <p:blipFill>
+          <a:blip r:embed="rId2"/>
+          <a:stretch>
+            <a:fillRect/>
+          </a:stretch>
+        </p:blipFill>
+        <p:spPr>
+          <a:xfrm>
+            <a:off x="1422261" y="2052638"/>
+            <a:ext cx="8309254" cy="4195762"/>
+          </a:xfrm>
+        </p:spPr>
+      </p:pic>
+    </p:spTree>
+    <p:extLst>
+      <p:ext uri="{BB962C8B-B14F-4D97-AF65-F5344CB8AC3E}">
+        <p14:creationId xmlns:p14="http://schemas.microsoft.com/office/powerpoint/2010/main" val="1022847474"/>
+      </p:ext>
+    </p:extLst>
+  </p:cSld>
+  <p:clrMapOvr>
+    <a:masterClrMapping/>
+  </p:clrMapOvr>
+</p:sld>
+</file>
+
+<file path=ppt/slides/slide9.xml><?xml version="1.0" encoding="utf-8"?>
+<p:sld xmlns:a="http://schemas.openxmlformats.org/drawingml/2006/main" xmlns:r="http://schemas.openxmlformats.org/officeDocument/2006/relationships" xmlns:p="http://schemas.openxmlformats.org/presentationml/2006/main">
+  <p:cSld>
+    <p:spTree>
+      <p:nvGrpSpPr>
+        <p:cNvPr id="1" name=""/>
+        <p:cNvGrpSpPr/>
+        <p:nvPr/>
+      </p:nvGrpSpPr>
+      <p:grpSpPr>
+        <a:xfrm>
+          <a:off x="0" y="0"/>
+          <a:ext cx="0" cy="0"/>
+          <a:chOff x="0" y="0"/>
+          <a:chExt cx="0" cy="0"/>
+        </a:xfrm>
+      </p:grpSpPr>
+      <p:sp>
+        <p:nvSpPr>
+          <p:cNvPr id="2" name="Title 1">
+            <a:extLst>
+              <a:ext uri="{FF2B5EF4-FFF2-40B4-BE49-F238E27FC236}">
+                <a16:creationId xmlns:a16="http://schemas.microsoft.com/office/drawing/2014/main" id="{DE8D285B-1111-40CB-95A9-296AAD1D3480}"/>
+              </a:ext>
+            </a:extLst>
+          </p:cNvPr>
+          <p:cNvSpPr>
+            <a:spLocks noGrp="1"/>
+          </p:cNvSpPr>
+          <p:nvPr>
+            <p:ph type="title"/>
+          </p:nvPr>
+        </p:nvSpPr>
+        <p:spPr/>
+        <p:txBody>
+          <a:bodyPr/>
+          <a:lstStyle/>
+          <a:p>
+            <a:r>
+              <a:rPr lang="lv-LV" dirty="0"/>
+              <a:t>Programmas svarīgākā darbība – uzdevumu meklēšana</a:t>
+            </a:r>
+            <a:endParaRPr lang="en-US" dirty="0"/>
+          </a:p>
+        </p:txBody>
+      </p:sp>
+      <p:pic>
+        <p:nvPicPr>
+          <p:cNvPr id="4" name="Content Placeholder 3">
+            <a:extLst>
+              <a:ext uri="{FF2B5EF4-FFF2-40B4-BE49-F238E27FC236}">
+                <a16:creationId xmlns:a16="http://schemas.microsoft.com/office/drawing/2014/main" id="{C8722D26-FF6D-4711-9162-EF4515B40973}"/>
+              </a:ext>
+            </a:extLst>
+          </p:cNvPr>
+          <p:cNvPicPr>
+            <a:picLocks noGrp="1"/>
+          </p:cNvPicPr>
+          <p:nvPr>
+            <p:ph idx="1"/>
+          </p:nvPr>
+        </p:nvPicPr>
+        <p:blipFill>
+          <a:blip r:embed="rId2"/>
+          <a:stretch>
+            <a:fillRect/>
+          </a:stretch>
+        </p:blipFill>
+        <p:spPr>
+          <a:xfrm>
+            <a:off x="1303179" y="2052638"/>
+            <a:ext cx="8547417" cy="4195762"/>
+          </a:xfrm>
+          <a:prstGeom prst="rect">
+            <a:avLst/>
+          </a:prstGeom>
+        </p:spPr>
+      </p:pic>
+    </p:spTree>
+    <p:extLst>
+      <p:ext uri="{BB962C8B-B14F-4D97-AF65-F5344CB8AC3E}">
+        <p14:creationId xmlns:p14="http://schemas.microsoft.com/office/powerpoint/2010/main" val="3219650464"/>
       </p:ext>
     </p:extLst>
   </p:cSld>
